--- a/lecture-materials/Application-Integration/app_flow/aws_appflow.pptx
+++ b/lecture-materials/Application-Integration/app_flow/aws_appflow.pptx
@@ -110,6 +110,11 @@
       </a:defRPr>
     </a:lvl9pPr>
   </p:defaultTextStyle>
+  <p:extLst>
+    <p:ext uri="{EFAFB233-063F-42B5-8137-9DF3F51BA10A}">
+      <p15:sldGuideLst xmlns:p15="http://schemas.microsoft.com/office/powerpoint/2012/main"/>
+    </p:ext>
+  </p:extLst>
 </p:presentation>
 </file>
 
@@ -195,7 +200,7 @@
           <a:p>
             <a:fld id="{64261064-C7AC-4598-BF48-46996C945653}" type="datetimeFigureOut">
               <a:rPr lang="en-US" smtClean="0"/>
-              <a:t>9/10/2023</a:t>
+              <a:t>9/18/23</a:t>
             </a:fld>
             <a:endParaRPr lang="en-US"/>
           </a:p>
@@ -259,35 +264,35 @@
           <a:p>
             <a:pPr lvl="0"/>
             <a:r>
-              <a:rPr lang="ru-RU" smtClean="0"/>
+              <a:rPr lang="ru-RU"/>
               <a:t>Образец текста</a:t>
             </a:r>
           </a:p>
           <a:p>
             <a:pPr lvl="1"/>
             <a:r>
-              <a:rPr lang="ru-RU" smtClean="0"/>
+              <a:rPr lang="ru-RU"/>
               <a:t>Второй уровень</a:t>
             </a:r>
           </a:p>
           <a:p>
             <a:pPr lvl="2"/>
             <a:r>
-              <a:rPr lang="ru-RU" smtClean="0"/>
+              <a:rPr lang="ru-RU"/>
               <a:t>Третий уровень</a:t>
             </a:r>
           </a:p>
           <a:p>
             <a:pPr lvl="3"/>
             <a:r>
-              <a:rPr lang="ru-RU" smtClean="0"/>
+              <a:rPr lang="ru-RU"/>
               <a:t>Четвертый уровень</a:t>
             </a:r>
           </a:p>
           <a:p>
             <a:pPr lvl="4"/>
             <a:r>
-              <a:rPr lang="ru-RU" smtClean="0"/>
+              <a:rPr lang="ru-RU"/>
               <a:t>Пятый уровень</a:t>
             </a:r>
             <a:endParaRPr lang="en-US"/>
@@ -841,7 +846,7 @@
           </a:lstStyle>
           <a:p>
             <a:r>
-              <a:rPr lang="ru-RU" smtClean="0"/>
+              <a:rPr lang="ru-RU"/>
               <a:t>Образец заголовка</a:t>
             </a:r>
             <a:endParaRPr lang="en-US"/>
@@ -906,7 +911,7 @@
           </a:lstStyle>
           <a:p>
             <a:r>
-              <a:rPr lang="ru-RU" smtClean="0"/>
+              <a:rPr lang="ru-RU"/>
               <a:t>Образец подзаголовка</a:t>
             </a:r>
             <a:endParaRPr lang="en-US"/>
@@ -930,7 +935,7 @@
           <a:p>
             <a:fld id="{B599CAB1-DB2F-4653-A229-2CDB39201972}" type="datetimeFigureOut">
               <a:rPr lang="en-US" smtClean="0"/>
-              <a:t>9/10/2023</a:t>
+              <a:t>9/18/23</a:t>
             </a:fld>
             <a:endParaRPr lang="en-US"/>
           </a:p>
@@ -1024,7 +1029,7 @@
           <a:lstStyle/>
           <a:p>
             <a:r>
-              <a:rPr lang="ru-RU" smtClean="0"/>
+              <a:rPr lang="ru-RU"/>
               <a:t>Образец заголовка</a:t>
             </a:r>
             <a:endParaRPr lang="en-US"/>
@@ -1048,35 +1053,35 @@
           <a:p>
             <a:pPr lvl="0"/>
             <a:r>
-              <a:rPr lang="ru-RU" smtClean="0"/>
+              <a:rPr lang="ru-RU"/>
               <a:t>Образец текста</a:t>
             </a:r>
           </a:p>
           <a:p>
             <a:pPr lvl="1"/>
             <a:r>
-              <a:rPr lang="ru-RU" smtClean="0"/>
+              <a:rPr lang="ru-RU"/>
               <a:t>Второй уровень</a:t>
             </a:r>
           </a:p>
           <a:p>
             <a:pPr lvl="2"/>
             <a:r>
-              <a:rPr lang="ru-RU" smtClean="0"/>
+              <a:rPr lang="ru-RU"/>
               <a:t>Третий уровень</a:t>
             </a:r>
           </a:p>
           <a:p>
             <a:pPr lvl="3"/>
             <a:r>
-              <a:rPr lang="ru-RU" smtClean="0"/>
+              <a:rPr lang="ru-RU"/>
               <a:t>Четвертый уровень</a:t>
             </a:r>
           </a:p>
           <a:p>
             <a:pPr lvl="4"/>
             <a:r>
-              <a:rPr lang="ru-RU" smtClean="0"/>
+              <a:rPr lang="ru-RU"/>
               <a:t>Пятый уровень</a:t>
             </a:r>
             <a:endParaRPr lang="en-US"/>
@@ -1100,7 +1105,7 @@
           <a:p>
             <a:fld id="{B599CAB1-DB2F-4653-A229-2CDB39201972}" type="datetimeFigureOut">
               <a:rPr lang="en-US" smtClean="0"/>
-              <a:t>9/10/2023</a:t>
+              <a:t>9/18/23</a:t>
             </a:fld>
             <a:endParaRPr lang="en-US"/>
           </a:p>
@@ -1199,7 +1204,7 @@
           <a:lstStyle/>
           <a:p>
             <a:r>
-              <a:rPr lang="ru-RU" smtClean="0"/>
+              <a:rPr lang="ru-RU"/>
               <a:t>Образец заголовка</a:t>
             </a:r>
             <a:endParaRPr lang="en-US"/>
@@ -1228,35 +1233,35 @@
           <a:p>
             <a:pPr lvl="0"/>
             <a:r>
-              <a:rPr lang="ru-RU" smtClean="0"/>
+              <a:rPr lang="ru-RU"/>
               <a:t>Образец текста</a:t>
             </a:r>
           </a:p>
           <a:p>
             <a:pPr lvl="1"/>
             <a:r>
-              <a:rPr lang="ru-RU" smtClean="0"/>
+              <a:rPr lang="ru-RU"/>
               <a:t>Второй уровень</a:t>
             </a:r>
           </a:p>
           <a:p>
             <a:pPr lvl="2"/>
             <a:r>
-              <a:rPr lang="ru-RU" smtClean="0"/>
+              <a:rPr lang="ru-RU"/>
               <a:t>Третий уровень</a:t>
             </a:r>
           </a:p>
           <a:p>
             <a:pPr lvl="3"/>
             <a:r>
-              <a:rPr lang="ru-RU" smtClean="0"/>
+              <a:rPr lang="ru-RU"/>
               <a:t>Четвертый уровень</a:t>
             </a:r>
           </a:p>
           <a:p>
             <a:pPr lvl="4"/>
             <a:r>
-              <a:rPr lang="ru-RU" smtClean="0"/>
+              <a:rPr lang="ru-RU"/>
               <a:t>Пятый уровень</a:t>
             </a:r>
             <a:endParaRPr lang="en-US"/>
@@ -1280,7 +1285,7 @@
           <a:p>
             <a:fld id="{B599CAB1-DB2F-4653-A229-2CDB39201972}" type="datetimeFigureOut">
               <a:rPr lang="en-US" smtClean="0"/>
-              <a:t>9/10/2023</a:t>
+              <a:t>9/18/23</a:t>
             </a:fld>
             <a:endParaRPr lang="en-US"/>
           </a:p>
@@ -1374,7 +1379,7 @@
           <a:lstStyle/>
           <a:p>
             <a:r>
-              <a:rPr lang="ru-RU" smtClean="0"/>
+              <a:rPr lang="ru-RU"/>
               <a:t>Образец заголовка</a:t>
             </a:r>
             <a:endParaRPr lang="en-US"/>
@@ -1398,35 +1403,35 @@
           <a:p>
             <a:pPr lvl="0"/>
             <a:r>
-              <a:rPr lang="ru-RU" smtClean="0"/>
+              <a:rPr lang="ru-RU"/>
               <a:t>Образец текста</a:t>
             </a:r>
           </a:p>
           <a:p>
             <a:pPr lvl="1"/>
             <a:r>
-              <a:rPr lang="ru-RU" smtClean="0"/>
+              <a:rPr lang="ru-RU"/>
               <a:t>Второй уровень</a:t>
             </a:r>
           </a:p>
           <a:p>
             <a:pPr lvl="2"/>
             <a:r>
-              <a:rPr lang="ru-RU" smtClean="0"/>
+              <a:rPr lang="ru-RU"/>
               <a:t>Третий уровень</a:t>
             </a:r>
           </a:p>
           <a:p>
             <a:pPr lvl="3"/>
             <a:r>
-              <a:rPr lang="ru-RU" smtClean="0"/>
+              <a:rPr lang="ru-RU"/>
               <a:t>Четвертый уровень</a:t>
             </a:r>
           </a:p>
           <a:p>
             <a:pPr lvl="4"/>
             <a:r>
-              <a:rPr lang="ru-RU" smtClean="0"/>
+              <a:rPr lang="ru-RU"/>
               <a:t>Пятый уровень</a:t>
             </a:r>
             <a:endParaRPr lang="en-US"/>
@@ -1450,7 +1455,7 @@
           <a:p>
             <a:fld id="{B599CAB1-DB2F-4653-A229-2CDB39201972}" type="datetimeFigureOut">
               <a:rPr lang="en-US" smtClean="0"/>
-              <a:t>9/10/2023</a:t>
+              <a:t>9/18/23</a:t>
             </a:fld>
             <a:endParaRPr lang="en-US"/>
           </a:p>
@@ -1553,7 +1558,7 @@
           </a:lstStyle>
           <a:p>
             <a:r>
-              <a:rPr lang="ru-RU" smtClean="0"/>
+              <a:rPr lang="ru-RU"/>
               <a:t>Образец заголовка</a:t>
             </a:r>
             <a:endParaRPr lang="en-US"/>
@@ -1673,7 +1678,7 @@
           <a:p>
             <a:pPr lvl="0"/>
             <a:r>
-              <a:rPr lang="ru-RU" smtClean="0"/>
+              <a:rPr lang="ru-RU"/>
               <a:t>Образец текста</a:t>
             </a:r>
           </a:p>
@@ -1696,7 +1701,7 @@
           <a:p>
             <a:fld id="{B599CAB1-DB2F-4653-A229-2CDB39201972}" type="datetimeFigureOut">
               <a:rPr lang="en-US" smtClean="0"/>
-              <a:t>9/10/2023</a:t>
+              <a:t>9/18/23</a:t>
             </a:fld>
             <a:endParaRPr lang="en-US"/>
           </a:p>
@@ -1790,7 +1795,7 @@
           <a:lstStyle/>
           <a:p>
             <a:r>
-              <a:rPr lang="ru-RU" smtClean="0"/>
+              <a:rPr lang="ru-RU"/>
               <a:t>Образец заголовка</a:t>
             </a:r>
             <a:endParaRPr lang="en-US"/>
@@ -1819,35 +1824,35 @@
           <a:p>
             <a:pPr lvl="0"/>
             <a:r>
-              <a:rPr lang="ru-RU" smtClean="0"/>
+              <a:rPr lang="ru-RU"/>
               <a:t>Образец текста</a:t>
             </a:r>
           </a:p>
           <a:p>
             <a:pPr lvl="1"/>
             <a:r>
-              <a:rPr lang="ru-RU" smtClean="0"/>
+              <a:rPr lang="ru-RU"/>
               <a:t>Второй уровень</a:t>
             </a:r>
           </a:p>
           <a:p>
             <a:pPr lvl="2"/>
             <a:r>
-              <a:rPr lang="ru-RU" smtClean="0"/>
+              <a:rPr lang="ru-RU"/>
               <a:t>Третий уровень</a:t>
             </a:r>
           </a:p>
           <a:p>
             <a:pPr lvl="3"/>
             <a:r>
-              <a:rPr lang="ru-RU" smtClean="0"/>
+              <a:rPr lang="ru-RU"/>
               <a:t>Четвертый уровень</a:t>
             </a:r>
           </a:p>
           <a:p>
             <a:pPr lvl="4"/>
             <a:r>
-              <a:rPr lang="ru-RU" smtClean="0"/>
+              <a:rPr lang="ru-RU"/>
               <a:t>Пятый уровень</a:t>
             </a:r>
             <a:endParaRPr lang="en-US"/>
@@ -1876,35 +1881,35 @@
           <a:p>
             <a:pPr lvl="0"/>
             <a:r>
-              <a:rPr lang="ru-RU" smtClean="0"/>
+              <a:rPr lang="ru-RU"/>
               <a:t>Образец текста</a:t>
             </a:r>
           </a:p>
           <a:p>
             <a:pPr lvl="1"/>
             <a:r>
-              <a:rPr lang="ru-RU" smtClean="0"/>
+              <a:rPr lang="ru-RU"/>
               <a:t>Второй уровень</a:t>
             </a:r>
           </a:p>
           <a:p>
             <a:pPr lvl="2"/>
             <a:r>
-              <a:rPr lang="ru-RU" smtClean="0"/>
+              <a:rPr lang="ru-RU"/>
               <a:t>Третий уровень</a:t>
             </a:r>
           </a:p>
           <a:p>
             <a:pPr lvl="3"/>
             <a:r>
-              <a:rPr lang="ru-RU" smtClean="0"/>
+              <a:rPr lang="ru-RU"/>
               <a:t>Четвертый уровень</a:t>
             </a:r>
           </a:p>
           <a:p>
             <a:pPr lvl="4"/>
             <a:r>
-              <a:rPr lang="ru-RU" smtClean="0"/>
+              <a:rPr lang="ru-RU"/>
               <a:t>Пятый уровень</a:t>
             </a:r>
             <a:endParaRPr lang="en-US"/>
@@ -1928,7 +1933,7 @@
           <a:p>
             <a:fld id="{B599CAB1-DB2F-4653-A229-2CDB39201972}" type="datetimeFigureOut">
               <a:rPr lang="en-US" smtClean="0"/>
-              <a:t>9/10/2023</a:t>
+              <a:t>9/18/23</a:t>
             </a:fld>
             <a:endParaRPr lang="en-US"/>
           </a:p>
@@ -2027,7 +2032,7 @@
           <a:lstStyle/>
           <a:p>
             <a:r>
-              <a:rPr lang="ru-RU" smtClean="0"/>
+              <a:rPr lang="ru-RU"/>
               <a:t>Образец заголовка</a:t>
             </a:r>
             <a:endParaRPr lang="en-US"/>
@@ -2093,7 +2098,7 @@
           <a:p>
             <a:pPr lvl="0"/>
             <a:r>
-              <a:rPr lang="ru-RU" smtClean="0"/>
+              <a:rPr lang="ru-RU"/>
               <a:t>Образец текста</a:t>
             </a:r>
           </a:p>
@@ -2121,35 +2126,35 @@
           <a:p>
             <a:pPr lvl="0"/>
             <a:r>
-              <a:rPr lang="ru-RU" smtClean="0"/>
+              <a:rPr lang="ru-RU"/>
               <a:t>Образец текста</a:t>
             </a:r>
           </a:p>
           <a:p>
             <a:pPr lvl="1"/>
             <a:r>
-              <a:rPr lang="ru-RU" smtClean="0"/>
+              <a:rPr lang="ru-RU"/>
               <a:t>Второй уровень</a:t>
             </a:r>
           </a:p>
           <a:p>
             <a:pPr lvl="2"/>
             <a:r>
-              <a:rPr lang="ru-RU" smtClean="0"/>
+              <a:rPr lang="ru-RU"/>
               <a:t>Третий уровень</a:t>
             </a:r>
           </a:p>
           <a:p>
             <a:pPr lvl="3"/>
             <a:r>
-              <a:rPr lang="ru-RU" smtClean="0"/>
+              <a:rPr lang="ru-RU"/>
               <a:t>Четвертый уровень</a:t>
             </a:r>
           </a:p>
           <a:p>
             <a:pPr lvl="4"/>
             <a:r>
-              <a:rPr lang="ru-RU" smtClean="0"/>
+              <a:rPr lang="ru-RU"/>
               <a:t>Пятый уровень</a:t>
             </a:r>
             <a:endParaRPr lang="en-US"/>
@@ -2215,7 +2220,7 @@
           <a:p>
             <a:pPr lvl="0"/>
             <a:r>
-              <a:rPr lang="ru-RU" smtClean="0"/>
+              <a:rPr lang="ru-RU"/>
               <a:t>Образец текста</a:t>
             </a:r>
           </a:p>
@@ -2243,35 +2248,35 @@
           <a:p>
             <a:pPr lvl="0"/>
             <a:r>
-              <a:rPr lang="ru-RU" smtClean="0"/>
+              <a:rPr lang="ru-RU"/>
               <a:t>Образец текста</a:t>
             </a:r>
           </a:p>
           <a:p>
             <a:pPr lvl="1"/>
             <a:r>
-              <a:rPr lang="ru-RU" smtClean="0"/>
+              <a:rPr lang="ru-RU"/>
               <a:t>Второй уровень</a:t>
             </a:r>
           </a:p>
           <a:p>
             <a:pPr lvl="2"/>
             <a:r>
-              <a:rPr lang="ru-RU" smtClean="0"/>
+              <a:rPr lang="ru-RU"/>
               <a:t>Третий уровень</a:t>
             </a:r>
           </a:p>
           <a:p>
             <a:pPr lvl="3"/>
             <a:r>
-              <a:rPr lang="ru-RU" smtClean="0"/>
+              <a:rPr lang="ru-RU"/>
               <a:t>Четвертый уровень</a:t>
             </a:r>
           </a:p>
           <a:p>
             <a:pPr lvl="4"/>
             <a:r>
-              <a:rPr lang="ru-RU" smtClean="0"/>
+              <a:rPr lang="ru-RU"/>
               <a:t>Пятый уровень</a:t>
             </a:r>
             <a:endParaRPr lang="en-US"/>
@@ -2295,7 +2300,7 @@
           <a:p>
             <a:fld id="{B599CAB1-DB2F-4653-A229-2CDB39201972}" type="datetimeFigureOut">
               <a:rPr lang="en-US" smtClean="0"/>
-              <a:t>9/10/2023</a:t>
+              <a:t>9/18/23</a:t>
             </a:fld>
             <a:endParaRPr lang="en-US"/>
           </a:p>
@@ -2389,7 +2394,7 @@
           <a:lstStyle/>
           <a:p>
             <a:r>
-              <a:rPr lang="ru-RU" smtClean="0"/>
+              <a:rPr lang="ru-RU"/>
               <a:t>Образец заголовка</a:t>
             </a:r>
             <a:endParaRPr lang="en-US"/>
@@ -2413,7 +2418,7 @@
           <a:p>
             <a:fld id="{B599CAB1-DB2F-4653-A229-2CDB39201972}" type="datetimeFigureOut">
               <a:rPr lang="en-US" smtClean="0"/>
-              <a:t>9/10/2023</a:t>
+              <a:t>9/18/23</a:t>
             </a:fld>
             <a:endParaRPr lang="en-US"/>
           </a:p>
@@ -2508,7 +2513,7 @@
           <a:p>
             <a:fld id="{B599CAB1-DB2F-4653-A229-2CDB39201972}" type="datetimeFigureOut">
               <a:rPr lang="en-US" smtClean="0"/>
-              <a:t>9/10/2023</a:t>
+              <a:t>9/18/23</a:t>
             </a:fld>
             <a:endParaRPr lang="en-US"/>
           </a:p>
@@ -2611,7 +2616,7 @@
           </a:lstStyle>
           <a:p>
             <a:r>
-              <a:rPr lang="ru-RU" smtClean="0"/>
+              <a:rPr lang="ru-RU"/>
               <a:t>Образец заголовка</a:t>
             </a:r>
             <a:endParaRPr lang="en-US"/>
@@ -2668,35 +2673,35 @@
           <a:p>
             <a:pPr lvl="0"/>
             <a:r>
-              <a:rPr lang="ru-RU" smtClean="0"/>
+              <a:rPr lang="ru-RU"/>
               <a:t>Образец текста</a:t>
             </a:r>
           </a:p>
           <a:p>
             <a:pPr lvl="1"/>
             <a:r>
-              <a:rPr lang="ru-RU" smtClean="0"/>
+              <a:rPr lang="ru-RU"/>
               <a:t>Второй уровень</a:t>
             </a:r>
           </a:p>
           <a:p>
             <a:pPr lvl="2"/>
             <a:r>
-              <a:rPr lang="ru-RU" smtClean="0"/>
+              <a:rPr lang="ru-RU"/>
               <a:t>Третий уровень</a:t>
             </a:r>
           </a:p>
           <a:p>
             <a:pPr lvl="3"/>
             <a:r>
-              <a:rPr lang="ru-RU" smtClean="0"/>
+              <a:rPr lang="ru-RU"/>
               <a:t>Четвертый уровень</a:t>
             </a:r>
           </a:p>
           <a:p>
             <a:pPr lvl="4"/>
             <a:r>
-              <a:rPr lang="ru-RU" smtClean="0"/>
+              <a:rPr lang="ru-RU"/>
               <a:t>Пятый уровень</a:t>
             </a:r>
             <a:endParaRPr lang="en-US"/>
@@ -2762,7 +2767,7 @@
           <a:p>
             <a:pPr lvl="0"/>
             <a:r>
-              <a:rPr lang="ru-RU" smtClean="0"/>
+              <a:rPr lang="ru-RU"/>
               <a:t>Образец текста</a:t>
             </a:r>
           </a:p>
@@ -2785,7 +2790,7 @@
           <a:p>
             <a:fld id="{B599CAB1-DB2F-4653-A229-2CDB39201972}" type="datetimeFigureOut">
               <a:rPr lang="en-US" smtClean="0"/>
-              <a:t>9/10/2023</a:t>
+              <a:t>9/18/23</a:t>
             </a:fld>
             <a:endParaRPr lang="en-US"/>
           </a:p>
@@ -2888,7 +2893,7 @@
           </a:lstStyle>
           <a:p>
             <a:r>
-              <a:rPr lang="ru-RU" smtClean="0"/>
+              <a:rPr lang="ru-RU"/>
               <a:t>Образец заголовка</a:t>
             </a:r>
             <a:endParaRPr lang="en-US"/>
@@ -3015,7 +3020,7 @@
           <a:p>
             <a:pPr lvl="0"/>
             <a:r>
-              <a:rPr lang="ru-RU" smtClean="0"/>
+              <a:rPr lang="ru-RU"/>
               <a:t>Образец текста</a:t>
             </a:r>
           </a:p>
@@ -3038,7 +3043,7 @@
           <a:p>
             <a:fld id="{B599CAB1-DB2F-4653-A229-2CDB39201972}" type="datetimeFigureOut">
               <a:rPr lang="en-US" smtClean="0"/>
-              <a:t>9/10/2023</a:t>
+              <a:t>9/18/23</a:t>
             </a:fld>
             <a:endParaRPr lang="en-US"/>
           </a:p>
@@ -3147,7 +3152,7 @@
           <a:lstStyle/>
           <a:p>
             <a:r>
-              <a:rPr lang="ru-RU" smtClean="0"/>
+              <a:rPr lang="ru-RU"/>
               <a:t>Образец заголовка</a:t>
             </a:r>
             <a:endParaRPr lang="en-US"/>
@@ -3181,35 +3186,35 @@
           <a:p>
             <a:pPr lvl="0"/>
             <a:r>
-              <a:rPr lang="ru-RU" smtClean="0"/>
+              <a:rPr lang="ru-RU"/>
               <a:t>Образец текста</a:t>
             </a:r>
           </a:p>
           <a:p>
             <a:pPr lvl="1"/>
             <a:r>
-              <a:rPr lang="ru-RU" smtClean="0"/>
+              <a:rPr lang="ru-RU"/>
               <a:t>Второй уровень</a:t>
             </a:r>
           </a:p>
           <a:p>
             <a:pPr lvl="2"/>
             <a:r>
-              <a:rPr lang="ru-RU" smtClean="0"/>
+              <a:rPr lang="ru-RU"/>
               <a:t>Третий уровень</a:t>
             </a:r>
           </a:p>
           <a:p>
             <a:pPr lvl="3"/>
             <a:r>
-              <a:rPr lang="ru-RU" smtClean="0"/>
+              <a:rPr lang="ru-RU"/>
               <a:t>Четвертый уровень</a:t>
             </a:r>
           </a:p>
           <a:p>
             <a:pPr lvl="4"/>
             <a:r>
-              <a:rPr lang="ru-RU" smtClean="0"/>
+              <a:rPr lang="ru-RU"/>
               <a:t>Пятый уровень</a:t>
             </a:r>
             <a:endParaRPr lang="en-US"/>
@@ -3251,7 +3256,7 @@
           <a:p>
             <a:fld id="{B599CAB1-DB2F-4653-A229-2CDB39201972}" type="datetimeFigureOut">
               <a:rPr lang="en-US" smtClean="0"/>
-              <a:t>9/10/2023</a:t>
+              <a:t>9/18/23</a:t>
             </a:fld>
             <a:endParaRPr lang="en-US"/>
           </a:p>
@@ -3642,6 +3647,14 @@
 <file path=ppt/slides/slide1.xml><?xml version="1.0" encoding="utf-8"?>
 <p:sld xmlns:a="http://schemas.openxmlformats.org/drawingml/2006/main" xmlns:r="http://schemas.openxmlformats.org/officeDocument/2006/relationships" xmlns:p="http://schemas.openxmlformats.org/presentationml/2006/main">
   <p:cSld>
+    <p:bg>
+      <p:bgPr>
+        <a:solidFill>
+          <a:schemeClr val="bg1"/>
+        </a:solidFill>
+        <a:effectLst/>
+      </p:bgPr>
+    </p:bg>
     <p:spTree>
       <p:nvGrpSpPr>
         <p:cNvPr id="1" name=""/>
@@ -3656,6 +3669,160 @@
           <a:chExt cx="0" cy="0"/>
         </a:xfrm>
       </p:grpSpPr>
+      <p:sp useBgFill="1">
+        <p:nvSpPr>
+          <p:cNvPr id="9" name="Rectangle 8">
+            <a:extLst>
+              <a:ext uri="{FF2B5EF4-FFF2-40B4-BE49-F238E27FC236}">
+                <a16:creationId xmlns:a16="http://schemas.microsoft.com/office/drawing/2014/main" id="{DAE20764-2125-4DD4-9362-53F6EC2FC540}"/>
+              </a:ext>
+              <a:ext uri="{C183D7F6-B498-43B3-948B-1728B52AA6E4}">
+                <adec:decorative xmlns:adec="http://schemas.microsoft.com/office/drawing/2017/decorative" val="1"/>
+              </a:ext>
+            </a:extLst>
+          </p:cNvPr>
+          <p:cNvSpPr>
+            <a:spLocks noGrp="1" noRot="1" noChangeAspect="1" noMove="1" noResize="1" noEditPoints="1" noAdjustHandles="1" noChangeArrowheads="1" noChangeShapeType="1" noTextEdit="1"/>
+          </p:cNvSpPr>
+          <p:nvPr>
+            <p:extLst>
+              <p:ext uri="{386F3935-93C4-4BCD-93E2-E3B085C9AB24}">
+                <p16:designElem xmlns:p16="http://schemas.microsoft.com/office/powerpoint/2015/main" val="1"/>
+              </p:ext>
+            </p:extLst>
+          </p:nvPr>
+        </p:nvSpPr>
+        <p:spPr bwMode="white">
+          <a:xfrm>
+            <a:off x="0" y="0"/>
+            <a:ext cx="12192000" cy="6858000"/>
+          </a:xfrm>
+          <a:prstGeom prst="rect">
+            <a:avLst/>
+          </a:prstGeom>
+          <a:ln>
+            <a:noFill/>
+          </a:ln>
+        </p:spPr>
+        <p:style>
+          <a:lnRef idx="2">
+            <a:schemeClr val="accent1">
+              <a:shade val="50000"/>
+            </a:schemeClr>
+          </a:lnRef>
+          <a:fillRef idx="1">
+            <a:schemeClr val="accent1"/>
+          </a:fillRef>
+          <a:effectRef idx="0">
+            <a:schemeClr val="accent1"/>
+          </a:effectRef>
+          <a:fontRef idx="minor">
+            <a:schemeClr val="lt1"/>
+          </a:fontRef>
+        </p:style>
+        <p:txBody>
+          <a:bodyPr rtlCol="0" anchor="ctr"/>
+          <a:lstStyle>
+            <a:defPPr>
+              <a:defRPr lang="en-US"/>
+            </a:defPPr>
+            <a:lvl1pPr marL="0" algn="l" defTabSz="914400" rtl="0" eaLnBrk="1" latinLnBrk="0" hangingPunct="1">
+              <a:defRPr sz="1800" kern="1200">
+                <a:solidFill>
+                  <a:schemeClr val="lt1"/>
+                </a:solidFill>
+                <a:latin typeface="+mn-lt"/>
+                <a:ea typeface="+mn-ea"/>
+                <a:cs typeface="+mn-cs"/>
+              </a:defRPr>
+            </a:lvl1pPr>
+            <a:lvl2pPr marL="457200" algn="l" defTabSz="914400" rtl="0" eaLnBrk="1" latinLnBrk="0" hangingPunct="1">
+              <a:defRPr sz="1800" kern="1200">
+                <a:solidFill>
+                  <a:schemeClr val="lt1"/>
+                </a:solidFill>
+                <a:latin typeface="+mn-lt"/>
+                <a:ea typeface="+mn-ea"/>
+                <a:cs typeface="+mn-cs"/>
+              </a:defRPr>
+            </a:lvl2pPr>
+            <a:lvl3pPr marL="914400" algn="l" defTabSz="914400" rtl="0" eaLnBrk="1" latinLnBrk="0" hangingPunct="1">
+              <a:defRPr sz="1800" kern="1200">
+                <a:solidFill>
+                  <a:schemeClr val="lt1"/>
+                </a:solidFill>
+                <a:latin typeface="+mn-lt"/>
+                <a:ea typeface="+mn-ea"/>
+                <a:cs typeface="+mn-cs"/>
+              </a:defRPr>
+            </a:lvl3pPr>
+            <a:lvl4pPr marL="1371600" algn="l" defTabSz="914400" rtl="0" eaLnBrk="1" latinLnBrk="0" hangingPunct="1">
+              <a:defRPr sz="1800" kern="1200">
+                <a:solidFill>
+                  <a:schemeClr val="lt1"/>
+                </a:solidFill>
+                <a:latin typeface="+mn-lt"/>
+                <a:ea typeface="+mn-ea"/>
+                <a:cs typeface="+mn-cs"/>
+              </a:defRPr>
+            </a:lvl4pPr>
+            <a:lvl5pPr marL="1828800" algn="l" defTabSz="914400" rtl="0" eaLnBrk="1" latinLnBrk="0" hangingPunct="1">
+              <a:defRPr sz="1800" kern="1200">
+                <a:solidFill>
+                  <a:schemeClr val="lt1"/>
+                </a:solidFill>
+                <a:latin typeface="+mn-lt"/>
+                <a:ea typeface="+mn-ea"/>
+                <a:cs typeface="+mn-cs"/>
+              </a:defRPr>
+            </a:lvl5pPr>
+            <a:lvl6pPr marL="2286000" algn="l" defTabSz="914400" rtl="0" eaLnBrk="1" latinLnBrk="0" hangingPunct="1">
+              <a:defRPr sz="1800" kern="1200">
+                <a:solidFill>
+                  <a:schemeClr val="lt1"/>
+                </a:solidFill>
+                <a:latin typeface="+mn-lt"/>
+                <a:ea typeface="+mn-ea"/>
+                <a:cs typeface="+mn-cs"/>
+              </a:defRPr>
+            </a:lvl6pPr>
+            <a:lvl7pPr marL="2743200" algn="l" defTabSz="914400" rtl="0" eaLnBrk="1" latinLnBrk="0" hangingPunct="1">
+              <a:defRPr sz="1800" kern="1200">
+                <a:solidFill>
+                  <a:schemeClr val="lt1"/>
+                </a:solidFill>
+                <a:latin typeface="+mn-lt"/>
+                <a:ea typeface="+mn-ea"/>
+                <a:cs typeface="+mn-cs"/>
+              </a:defRPr>
+            </a:lvl7pPr>
+            <a:lvl8pPr marL="3200400" algn="l" defTabSz="914400" rtl="0" eaLnBrk="1" latinLnBrk="0" hangingPunct="1">
+              <a:defRPr sz="1800" kern="1200">
+                <a:solidFill>
+                  <a:schemeClr val="lt1"/>
+                </a:solidFill>
+                <a:latin typeface="+mn-lt"/>
+                <a:ea typeface="+mn-ea"/>
+                <a:cs typeface="+mn-cs"/>
+              </a:defRPr>
+            </a:lvl8pPr>
+            <a:lvl9pPr marL="3657600" algn="l" defTabSz="914400" rtl="0" eaLnBrk="1" latinLnBrk="0" hangingPunct="1">
+              <a:defRPr sz="1800" kern="1200">
+                <a:solidFill>
+                  <a:schemeClr val="lt1"/>
+                </a:solidFill>
+                <a:latin typeface="+mn-lt"/>
+                <a:ea typeface="+mn-ea"/>
+                <a:cs typeface="+mn-cs"/>
+              </a:defRPr>
+            </a:lvl9pPr>
+          </a:lstStyle>
+          <a:p>
+            <a:pPr algn="ctr"/>
+            <a:endParaRPr lang="en-US"/>
+          </a:p>
+        </p:txBody>
+      </p:sp>
       <p:sp>
         <p:nvSpPr>
           <p:cNvPr id="2" name="Заголовок 1"/>
@@ -3666,22 +3833,30 @@
             <p:ph type="title"/>
           </p:nvPr>
         </p:nvSpPr>
-        <p:spPr/>
-        <p:txBody>
-          <a:bodyPr>
+        <p:spPr>
+          <a:xfrm>
+            <a:off x="1011242" y="295953"/>
+            <a:ext cx="10169516" cy="1470991"/>
+          </a:xfrm>
+        </p:spPr>
+        <p:txBody>
+          <a:bodyPr vert="horz" lIns="91440" tIns="45720" rIns="91440" bIns="45720" rtlCol="0" anchor="ctr">
             <a:normAutofit/>
           </a:bodyPr>
           <a:lstStyle/>
           <a:p>
-            <a:r>
-              <a:rPr lang="en-US" sz="3200" dirty="0" smtClean="0"/>
-              <a:t>Amazon </a:t>
-            </a:r>
-            <a:r>
-              <a:rPr lang="en-US" sz="3200" dirty="0" err="1" smtClean="0"/>
-              <a:t>AppFlow</a:t>
-            </a:r>
-            <a:endParaRPr lang="en-US" sz="3200" dirty="0"/>
+            <a:pPr algn="ctr"/>
+            <a:r>
+              <a:rPr lang="en-US" sz="2800" kern="1200">
+                <a:solidFill>
+                  <a:schemeClr val="tx1"/>
+                </a:solidFill>
+                <a:latin typeface="+mj-lt"/>
+                <a:ea typeface="+mj-ea"/>
+                <a:cs typeface="+mj-cs"/>
+              </a:rPr>
+              <a:t>Amazon AppFlow</a:t>
+            </a:r>
           </a:p>
         </p:txBody>
       </p:sp>
@@ -3697,73 +3872,170 @@
         </p:nvSpPr>
         <p:spPr>
           <a:xfrm>
-            <a:off x="838200" y="1825625"/>
-            <a:ext cx="6477000" cy="4351338"/>
+            <a:off x="1134588" y="2689541"/>
+            <a:ext cx="5847780" cy="3292457"/>
           </a:xfrm>
         </p:spPr>
         <p:txBody>
-          <a:bodyPr>
+          <a:bodyPr vert="horz" lIns="91440" tIns="45720" rIns="91440" bIns="45720" rtlCol="0" anchor="ctr">
             <a:normAutofit/>
           </a:bodyPr>
           <a:lstStyle/>
           <a:p>
-            <a:pPr marL="0" indent="0">
-              <a:buNone/>
-            </a:pPr>
-            <a:r>
-              <a:rPr lang="en-US" sz="1400" dirty="0" smtClean="0"/>
-              <a:t>Amazon </a:t>
-            </a:r>
-            <a:r>
-              <a:rPr lang="en-US" sz="1400" dirty="0" err="1" smtClean="0"/>
-              <a:t>AppFlow</a:t>
-            </a:r>
-            <a:r>
-              <a:rPr lang="en-US" sz="1400" dirty="0" smtClean="0"/>
-              <a:t>, a fully managed integration service, enables you to securely transfer data between Software-as-a-Service (SaaS) applications, including Salesforce, </a:t>
-            </a:r>
-            <a:r>
-              <a:rPr lang="en-US" sz="1400" dirty="0" err="1" smtClean="0"/>
-              <a:t>Zendesk</a:t>
-            </a:r>
-            <a:r>
-              <a:rPr lang="en-US" sz="1400" dirty="0" smtClean="0"/>
-              <a:t>, Slack, </a:t>
-            </a:r>
-            <a:r>
-              <a:rPr lang="en-US" sz="1400" dirty="0" err="1" smtClean="0"/>
-              <a:t>ServiceNow</a:t>
-            </a:r>
-            <a:r>
-              <a:rPr lang="en-US" sz="1400" dirty="0" smtClean="0"/>
-              <a:t>, and AWS services like Amazon S3 and Amazon Redshift, in just a few clicks. </a:t>
-            </a:r>
-          </a:p>
-          <a:p>
-            <a:pPr marL="0" indent="0">
-              <a:buNone/>
-            </a:pPr>
-            <a:r>
-              <a:rPr lang="en-US" sz="1400" dirty="0" smtClean="0"/>
-              <a:t>AWS </a:t>
-            </a:r>
-            <a:r>
-              <a:rPr lang="en-US" sz="1400" dirty="0" err="1" smtClean="0"/>
-              <a:t>AppFlow</a:t>
-            </a:r>
-            <a:r>
-              <a:rPr lang="en-US" sz="1400" dirty="0" smtClean="0"/>
-              <a:t> is a codeless integration for business users that focuses on empowering non-technical users to integrate their </a:t>
-            </a:r>
-            <a:r>
-              <a:rPr lang="en-US" sz="1400" dirty="0" err="1" smtClean="0"/>
-              <a:t>siloed</a:t>
-            </a:r>
-            <a:r>
-              <a:rPr lang="en-US" sz="1400" dirty="0" smtClean="0"/>
-              <a:t> data sources. It provides the ability to exchange data between AWS services and other SaaS applications without writing a single line of code.</a:t>
-            </a:r>
-            <a:endParaRPr lang="en-US" sz="1400" dirty="0"/>
+            <a:pPr marL="0"/>
+            <a:r>
+              <a:rPr lang="en-US" sz="1900"/>
+              <a:t>Amazon AppFlow, a fully managed integration service, enables you to securely transfer data between Software-as-a-Service (SaaS) applications, including Salesforce, Zendesk, Slack, ServiceNow, and AWS services like Amazon S3 and Amazon Redshift, in just a few clicks. </a:t>
+            </a:r>
+          </a:p>
+          <a:p>
+            <a:pPr marL="0"/>
+            <a:r>
+              <a:rPr lang="en-US" sz="1900"/>
+              <a:t>AWS AppFlow is a codeless integration for business users that focuses on empowering non-technical users to integrate their siloed data sources. It provides the ability to exchange data between AWS services and other SaaS applications without writing a single line of code.</a:t>
+            </a:r>
+          </a:p>
+        </p:txBody>
+      </p:sp>
+      <p:sp>
+        <p:nvSpPr>
+          <p:cNvPr id="11" name="Rectangle 10">
+            <a:extLst>
+              <a:ext uri="{FF2B5EF4-FFF2-40B4-BE49-F238E27FC236}">
+                <a16:creationId xmlns:a16="http://schemas.microsoft.com/office/drawing/2014/main" id="{BBADAF25-3032-445C-AD1D-2058831DE092}"/>
+              </a:ext>
+              <a:ext uri="{C183D7F6-B498-43B3-948B-1728B52AA6E4}">
+                <adec:decorative xmlns:adec="http://schemas.microsoft.com/office/drawing/2017/decorative" val="1"/>
+              </a:ext>
+            </a:extLst>
+          </p:cNvPr>
+          <p:cNvSpPr>
+            <a:spLocks noGrp="1" noRot="1" noChangeAspect="1" noMove="1" noResize="1" noEditPoints="1" noAdjustHandles="1" noChangeArrowheads="1" noChangeShapeType="1" noTextEdit="1"/>
+          </p:cNvSpPr>
+          <p:nvPr>
+            <p:extLst>
+              <p:ext uri="{386F3935-93C4-4BCD-93E2-E3B085C9AB24}">
+                <p16:designElem xmlns:p16="http://schemas.microsoft.com/office/powerpoint/2015/main" val="1"/>
+              </p:ext>
+            </p:extLst>
+          </p:nvPr>
+        </p:nvSpPr>
+        <p:spPr>
+          <a:xfrm>
+            <a:off x="7959499" y="2138604"/>
+            <a:ext cx="4250702" cy="4719396"/>
+          </a:xfrm>
+          <a:prstGeom prst="rect">
+            <a:avLst/>
+          </a:prstGeom>
+          <a:solidFill>
+            <a:schemeClr val="tx2">
+              <a:lumMod val="50000"/>
+            </a:schemeClr>
+          </a:solidFill>
+          <a:ln>
+            <a:noFill/>
+          </a:ln>
+        </p:spPr>
+        <p:style>
+          <a:lnRef idx="2">
+            <a:schemeClr val="accent1">
+              <a:shade val="50000"/>
+            </a:schemeClr>
+          </a:lnRef>
+          <a:fillRef idx="1">
+            <a:schemeClr val="accent1"/>
+          </a:fillRef>
+          <a:effectRef idx="0">
+            <a:schemeClr val="accent1"/>
+          </a:effectRef>
+          <a:fontRef idx="minor">
+            <a:schemeClr val="lt1"/>
+          </a:fontRef>
+        </p:style>
+        <p:txBody>
+          <a:bodyPr rtlCol="0" anchor="ctr"/>
+          <a:lstStyle/>
+          <a:p>
+            <a:pPr algn="ctr"/>
+            <a:endParaRPr lang="en-US">
+              <a:solidFill>
+                <a:schemeClr val="tx2">
+                  <a:lumMod val="50000"/>
+                </a:schemeClr>
+              </a:solidFill>
+            </a:endParaRPr>
+          </a:p>
+        </p:txBody>
+      </p:sp>
+      <p:sp>
+        <p:nvSpPr>
+          <p:cNvPr id="13" name="Rectangle 12">
+            <a:extLst>
+              <a:ext uri="{FF2B5EF4-FFF2-40B4-BE49-F238E27FC236}">
+                <a16:creationId xmlns:a16="http://schemas.microsoft.com/office/drawing/2014/main" id="{CD84038B-4A56-439B-A184-79B2D4506692}"/>
+              </a:ext>
+              <a:ext uri="{C183D7F6-B498-43B3-948B-1728B52AA6E4}">
+                <adec:decorative xmlns:adec="http://schemas.microsoft.com/office/drawing/2017/decorative" val="1"/>
+              </a:ext>
+            </a:extLst>
+          </p:cNvPr>
+          <p:cNvSpPr>
+            <a:spLocks noGrp="1" noRot="1" noChangeAspect="1" noMove="1" noResize="1" noEditPoints="1" noAdjustHandles="1" noChangeArrowheads="1" noChangeShapeType="1" noTextEdit="1"/>
+          </p:cNvSpPr>
+          <p:nvPr>
+            <p:extLst>
+              <p:ext uri="{386F3935-93C4-4BCD-93E2-E3B085C9AB24}">
+                <p16:designElem xmlns:p16="http://schemas.microsoft.com/office/powerpoint/2015/main" val="1"/>
+              </p:ext>
+            </p:extLst>
+          </p:nvPr>
+        </p:nvSpPr>
+        <p:spPr>
+          <a:xfrm flipH="1">
+            <a:off x="3048" y="2138604"/>
+            <a:ext cx="12188952" cy="64008"/>
+          </a:xfrm>
+          <a:prstGeom prst="rect">
+            <a:avLst/>
+          </a:prstGeom>
+          <a:solidFill>
+            <a:schemeClr val="tx2">
+              <a:lumMod val="50000"/>
+            </a:schemeClr>
+          </a:solidFill>
+          <a:ln>
+            <a:noFill/>
+          </a:ln>
+        </p:spPr>
+        <p:style>
+          <a:lnRef idx="2">
+            <a:schemeClr val="accent1">
+              <a:shade val="50000"/>
+            </a:schemeClr>
+          </a:lnRef>
+          <a:fillRef idx="1">
+            <a:schemeClr val="accent1"/>
+          </a:fillRef>
+          <a:effectRef idx="0">
+            <a:schemeClr val="accent1"/>
+          </a:effectRef>
+          <a:fontRef idx="minor">
+            <a:schemeClr val="lt1"/>
+          </a:fontRef>
+        </p:style>
+        <p:txBody>
+          <a:bodyPr rtlCol="0" anchor="ctr"/>
+          <a:lstStyle/>
+          <a:p>
+            <a:pPr algn="ctr"/>
+            <a:endParaRPr lang="en-US">
+              <a:solidFill>
+                <a:schemeClr val="tx2">
+                  <a:lumMod val="50000"/>
+                </a:schemeClr>
+              </a:solidFill>
+            </a:endParaRPr>
           </a:p>
         </p:txBody>
       </p:sp>
@@ -3783,8 +4055,8 @@
         </p:blipFill>
         <p:spPr>
           <a:xfrm>
-            <a:off x="8659748" y="1825625"/>
-            <a:ext cx="2130171" cy="1910391"/>
+            <a:off x="8348415" y="2941022"/>
+            <a:ext cx="3472870" cy="3114558"/>
           </a:xfrm>
           <a:prstGeom prst="rect">
             <a:avLst/>
@@ -3807,6 +4079,14 @@
 <file path=ppt/slides/slide2.xml><?xml version="1.0" encoding="utf-8"?>
 <p:sld xmlns:a="http://schemas.openxmlformats.org/drawingml/2006/main" xmlns:r="http://schemas.openxmlformats.org/officeDocument/2006/relationships" xmlns:p="http://schemas.openxmlformats.org/presentationml/2006/main">
   <p:cSld>
+    <p:bg>
+      <p:bgPr>
+        <a:solidFill>
+          <a:schemeClr val="bg1"/>
+        </a:solidFill>
+        <a:effectLst/>
+      </p:bgPr>
+    </p:bg>
     <p:spTree>
       <p:nvGrpSpPr>
         <p:cNvPr id="1" name=""/>
@@ -3823,6 +4103,69 @@
       </p:grpSpPr>
       <p:sp>
         <p:nvSpPr>
+          <p:cNvPr id="10" name="Rectangle 9">
+            <a:extLst>
+              <a:ext uri="{FF2B5EF4-FFF2-40B4-BE49-F238E27FC236}">
+                <a16:creationId xmlns:a16="http://schemas.microsoft.com/office/drawing/2014/main" id="{A4AC5506-6312-4701-8D3C-40187889A947}"/>
+              </a:ext>
+              <a:ext uri="{C183D7F6-B498-43B3-948B-1728B52AA6E4}">
+                <adec:decorative xmlns:adec="http://schemas.microsoft.com/office/drawing/2017/decorative" val="1"/>
+              </a:ext>
+            </a:extLst>
+          </p:cNvPr>
+          <p:cNvSpPr>
+            <a:spLocks noGrp="1" noRot="1" noChangeAspect="1" noMove="1" noResize="1" noEditPoints="1" noAdjustHandles="1" noChangeArrowheads="1" noChangeShapeType="1" noTextEdit="1"/>
+          </p:cNvSpPr>
+          <p:nvPr>
+            <p:extLst>
+              <p:ext uri="{386F3935-93C4-4BCD-93E2-E3B085C9AB24}">
+                <p16:designElem xmlns:p16="http://schemas.microsoft.com/office/powerpoint/2015/main" val="1"/>
+              </p:ext>
+            </p:extLst>
+          </p:nvPr>
+        </p:nvSpPr>
+        <p:spPr>
+          <a:xfrm>
+            <a:off x="0" y="651752"/>
+            <a:ext cx="12192000" cy="736551"/>
+          </a:xfrm>
+          <a:prstGeom prst="rect">
+            <a:avLst/>
+          </a:prstGeom>
+          <a:solidFill>
+            <a:schemeClr val="tx1"/>
+          </a:solidFill>
+          <a:ln>
+            <a:noFill/>
+          </a:ln>
+        </p:spPr>
+        <p:style>
+          <a:lnRef idx="2">
+            <a:schemeClr val="accent1">
+              <a:shade val="50000"/>
+            </a:schemeClr>
+          </a:lnRef>
+          <a:fillRef idx="1">
+            <a:schemeClr val="accent1"/>
+          </a:fillRef>
+          <a:effectRef idx="0">
+            <a:schemeClr val="accent1"/>
+          </a:effectRef>
+          <a:fontRef idx="minor">
+            <a:schemeClr val="lt1"/>
+          </a:fontRef>
+        </p:style>
+        <p:txBody>
+          <a:bodyPr rtlCol="0" anchor="ctr"/>
+          <a:lstStyle/>
+          <a:p>
+            <a:pPr algn="ctr"/>
+            <a:endParaRPr lang="en-US"/>
+          </a:p>
+        </p:txBody>
+      </p:sp>
+      <p:sp>
+        <p:nvSpPr>
           <p:cNvPr id="2" name="Заголовок 1"/>
           <p:cNvSpPr>
             <a:spLocks noGrp="1"/>
@@ -3831,18 +4174,30 @@
             <p:ph type="title"/>
           </p:nvPr>
         </p:nvSpPr>
-        <p:spPr/>
-        <p:txBody>
-          <a:bodyPr>
+        <p:spPr>
+          <a:xfrm>
+            <a:off x="556532" y="643467"/>
+            <a:ext cx="11210925" cy="744836"/>
+          </a:xfrm>
+        </p:spPr>
+        <p:txBody>
+          <a:bodyPr vert="horz" lIns="91440" tIns="45720" rIns="91440" bIns="45720" rtlCol="0" anchor="ctr">
             <a:normAutofit/>
           </a:bodyPr>
           <a:lstStyle/>
           <a:p>
-            <a:r>
-              <a:rPr lang="en-US" sz="3200" dirty="0" smtClean="0"/>
+            <a:pPr algn="ctr"/>
+            <a:r>
+              <a:rPr lang="en-US" sz="3200" kern="1200">
+                <a:solidFill>
+                  <a:schemeClr val="bg1"/>
+                </a:solidFill>
+                <a:latin typeface="+mj-lt"/>
+                <a:ea typeface="+mj-ea"/>
+                <a:cs typeface="+mj-cs"/>
+              </a:rPr>
               <a:t>How is it work?</a:t>
             </a:r>
-            <a:endParaRPr lang="en-US" sz="3200" dirty="0"/>
           </a:p>
         </p:txBody>
       </p:sp>
@@ -3862,8 +4217,8 @@
         </p:blipFill>
         <p:spPr>
           <a:xfrm>
-            <a:off x="159067" y="1897476"/>
-            <a:ext cx="11873865" cy="3933919"/>
+            <a:off x="643467" y="2059359"/>
+            <a:ext cx="10905066" cy="3625934"/>
           </a:xfrm>
           <a:prstGeom prst="rect">
             <a:avLst/>
@@ -3886,6 +4241,14 @@
 <file path=ppt/slides/slide3.xml><?xml version="1.0" encoding="utf-8"?>
 <p:sld xmlns:a="http://schemas.openxmlformats.org/drawingml/2006/main" xmlns:r="http://schemas.openxmlformats.org/officeDocument/2006/relationships" xmlns:p="http://schemas.openxmlformats.org/presentationml/2006/main">
   <p:cSld>
+    <p:bg>
+      <p:bgPr>
+        <a:solidFill>
+          <a:schemeClr val="bg1"/>
+        </a:solidFill>
+        <a:effectLst/>
+      </p:bgPr>
+    </p:bg>
     <p:spTree>
       <p:nvGrpSpPr>
         <p:cNvPr id="1" name=""/>
@@ -3910,26 +4273,29 @@
             <p:ph type="title"/>
           </p:nvPr>
         </p:nvSpPr>
-        <p:spPr/>
-        <p:txBody>
-          <a:bodyPr>
+        <p:spPr>
+          <a:xfrm>
+            <a:off x="910119" y="572569"/>
+            <a:ext cx="3380527" cy="1642956"/>
+          </a:xfrm>
+        </p:spPr>
+        <p:txBody>
+          <a:bodyPr vert="horz" lIns="91440" tIns="45720" rIns="91440" bIns="45720" rtlCol="0" anchor="b">
             <a:normAutofit/>
           </a:bodyPr>
           <a:lstStyle/>
           <a:p>
             <a:r>
-              <a:rPr lang="en-US" sz="3200" dirty="0" smtClean="0"/>
-              <a:t>Architecture</a:t>
-            </a:r>
-            <a:r>
-              <a:rPr lang="ru-RU" sz="3200" dirty="0" smtClean="0"/>
-              <a:t> </a:t>
-            </a:r>
-            <a:r>
-              <a:rPr lang="en-US" sz="3200" dirty="0" smtClean="0"/>
-              <a:t>example</a:t>
-            </a:r>
-            <a:endParaRPr lang="en-US" sz="3200" dirty="0"/>
+              <a:rPr lang="en-US" sz="3600" kern="1200">
+                <a:solidFill>
+                  <a:schemeClr val="tx2"/>
+                </a:solidFill>
+                <a:latin typeface="+mj-lt"/>
+                <a:ea typeface="+mj-ea"/>
+                <a:cs typeface="+mj-cs"/>
+              </a:rPr>
+              <a:t>Architecture example</a:t>
+            </a:r>
           </a:p>
         </p:txBody>
       </p:sp>
@@ -3945,92 +4311,119 @@
         </p:nvSpPr>
         <p:spPr>
           <a:xfrm>
-            <a:off x="173736" y="1825625"/>
-            <a:ext cx="5038344" cy="4351338"/>
+            <a:off x="899811" y="2596242"/>
+            <a:ext cx="3380527" cy="3652157"/>
           </a:xfrm>
         </p:spPr>
         <p:txBody>
-          <a:bodyPr>
+          <a:bodyPr vert="horz" lIns="91440" tIns="45720" rIns="91440" bIns="45720" rtlCol="0">
             <a:normAutofit/>
           </a:bodyPr>
           <a:lstStyle/>
           <a:p>
-            <a:pPr marL="0" indent="0">
-              <a:buNone/>
-            </a:pPr>
-            <a:r>
-              <a:rPr lang="en-US" sz="1400" dirty="0" smtClean="0"/>
+            <a:pPr marL="0"/>
+            <a:r>
+              <a:rPr lang="en-US" sz="1200">
+                <a:solidFill>
+                  <a:schemeClr val="tx2"/>
+                </a:solidFill>
+              </a:rPr>
               <a:t>The workflow includes the following steps:</a:t>
             </a:r>
           </a:p>
           <a:p>
-            <a:pPr marL="0" indent="0">
-              <a:buNone/>
-            </a:pPr>
-            <a:endParaRPr lang="en-US" sz="1400" dirty="0" smtClean="0"/>
-          </a:p>
-          <a:p>
-            <a:r>
-              <a:rPr lang="en-US" sz="1400" dirty="0" smtClean="0"/>
+            <a:pPr marL="0"/>
+            <a:endParaRPr lang="en-US" sz="1200">
+              <a:solidFill>
+                <a:schemeClr val="tx2"/>
+              </a:solidFill>
+            </a:endParaRPr>
+          </a:p>
+          <a:p>
+            <a:r>
+              <a:rPr lang="en-US" sz="1200">
+                <a:solidFill>
+                  <a:schemeClr val="tx2"/>
+                </a:solidFill>
+              </a:rPr>
               <a:t>Create an S3 bucket for the raw and transformed data.</a:t>
             </a:r>
           </a:p>
           <a:p>
             <a:r>
-              <a:rPr lang="en-US" sz="1400" dirty="0" smtClean="0"/>
+              <a:rPr lang="en-US" sz="1200">
+                <a:solidFill>
+                  <a:schemeClr val="tx2"/>
+                </a:solidFill>
+              </a:rPr>
               <a:t>Create a connection to Salesforce.</a:t>
             </a:r>
           </a:p>
           <a:p>
             <a:r>
-              <a:rPr lang="en-US" sz="1400" dirty="0" smtClean="0"/>
+              <a:rPr lang="en-US" sz="1200">
+                <a:solidFill>
+                  <a:schemeClr val="tx2"/>
+                </a:solidFill>
+              </a:rPr>
               <a:t>Create a flow to extract the data from Salesforce.com.</a:t>
             </a:r>
           </a:p>
           <a:p>
             <a:r>
-              <a:rPr lang="en-US" sz="1400" dirty="0" smtClean="0"/>
+              <a:rPr lang="en-US" sz="1200">
+                <a:solidFill>
+                  <a:schemeClr val="tx2"/>
+                </a:solidFill>
+              </a:rPr>
               <a:t>Create a dataset and project.</a:t>
             </a:r>
           </a:p>
           <a:p>
             <a:r>
-              <a:rPr lang="en-US" sz="1400" dirty="0" smtClean="0"/>
+              <a:rPr lang="en-US" sz="1200">
+                <a:solidFill>
+                  <a:schemeClr val="tx2"/>
+                </a:solidFill>
+              </a:rPr>
               <a:t>Prepare the data and create a recipe.</a:t>
             </a:r>
           </a:p>
           <a:p>
             <a:r>
-              <a:rPr lang="en-US" sz="1400" dirty="0" smtClean="0"/>
-              <a:t>Create a job to pull the data from the Amazon </a:t>
-            </a:r>
-            <a:r>
-              <a:rPr lang="en-US" sz="1400" dirty="0" err="1" smtClean="0"/>
-              <a:t>AppFlow</a:t>
-            </a:r>
-            <a:r>
-              <a:rPr lang="en-US" sz="1400" dirty="0" smtClean="0"/>
-              <a:t> flow, run the transformations, and load the data in Amazon S3.</a:t>
-            </a:r>
-          </a:p>
-          <a:p>
-            <a:r>
-              <a:rPr lang="en-US" sz="1400" dirty="0" smtClean="0"/>
+              <a:rPr lang="en-US" sz="1200">
+                <a:solidFill>
+                  <a:schemeClr val="tx2"/>
+                </a:solidFill>
+              </a:rPr>
+              <a:t>Create a job to pull the data from the Amazon AppFlow flow, run the transformations, and load the data in Amazon S3.</a:t>
+            </a:r>
+          </a:p>
+          <a:p>
+            <a:r>
+              <a:rPr lang="en-US" sz="1200">
+                <a:solidFill>
+                  <a:schemeClr val="tx2"/>
+                </a:solidFill>
+              </a:rPr>
               <a:t>Create a crawler to catalog the data.</a:t>
             </a:r>
           </a:p>
           <a:p>
             <a:r>
-              <a:rPr lang="en-US" sz="1400" dirty="0" smtClean="0"/>
+              <a:rPr lang="en-US" sz="1200">
+                <a:solidFill>
+                  <a:schemeClr val="tx2"/>
+                </a:solidFill>
+              </a:rPr>
               <a:t>Analyze data using Athena.</a:t>
             </a:r>
-            <a:endParaRPr lang="en-US" sz="1400" dirty="0"/>
           </a:p>
         </p:txBody>
       </p:sp>
       <p:pic>
         <p:nvPicPr>
-          <p:cNvPr id="4" name="Рисунок 3"/>
+          <p:cNvPr id="4" name="Рисунок 3" descr="A diagram of a software process&#10;&#10;Description automatically generated"/>
           <p:cNvPicPr>
             <a:picLocks noChangeAspect="1"/>
           </p:cNvPicPr>
@@ -4044,8 +4437,8 @@
         </p:blipFill>
         <p:spPr>
           <a:xfrm>
-            <a:off x="5105399" y="1825625"/>
-            <a:ext cx="6889833" cy="3770503"/>
+            <a:off x="4994031" y="1625434"/>
+            <a:ext cx="6588369" cy="3607131"/>
           </a:xfrm>
           <a:prstGeom prst="rect">
             <a:avLst/>
@@ -4068,6 +4461,14 @@
 <file path=ppt/slides/slide4.xml><?xml version="1.0" encoding="utf-8"?>
 <p:sld xmlns:a="http://schemas.openxmlformats.org/drawingml/2006/main" xmlns:r="http://schemas.openxmlformats.org/officeDocument/2006/relationships" xmlns:p="http://schemas.openxmlformats.org/presentationml/2006/main">
   <p:cSld>
+    <p:bg>
+      <p:bgPr>
+        <a:solidFill>
+          <a:schemeClr val="bg1"/>
+        </a:solidFill>
+        <a:effectLst/>
+      </p:bgPr>
+    </p:bg>
     <p:spTree>
       <p:nvGrpSpPr>
         <p:cNvPr id="1" name=""/>
@@ -4082,6 +4483,131 @@
           <a:chExt cx="0" cy="0"/>
         </a:xfrm>
       </p:grpSpPr>
+      <p:sp useBgFill="1">
+        <p:nvSpPr>
+          <p:cNvPr id="8" name="Rectangle 7">
+            <a:extLst>
+              <a:ext uri="{FF2B5EF4-FFF2-40B4-BE49-F238E27FC236}">
+                <a16:creationId xmlns:a16="http://schemas.microsoft.com/office/drawing/2014/main" id="{A61E7EDE-CB4A-402F-B0FB-8640C3589105}"/>
+              </a:ext>
+              <a:ext uri="{C183D7F6-B498-43B3-948B-1728B52AA6E4}">
+                <adec:decorative xmlns:adec="http://schemas.microsoft.com/office/drawing/2017/decorative" val="1"/>
+              </a:ext>
+            </a:extLst>
+          </p:cNvPr>
+          <p:cNvSpPr>
+            <a:spLocks noGrp="1" noRot="1" noChangeAspect="1" noMove="1" noResize="1" noEditPoints="1" noAdjustHandles="1" noChangeArrowheads="1" noChangeShapeType="1" noTextEdit="1"/>
+          </p:cNvSpPr>
+          <p:nvPr>
+            <p:extLst>
+              <p:ext uri="{386F3935-93C4-4BCD-93E2-E3B085C9AB24}">
+                <p16:designElem xmlns:p16="http://schemas.microsoft.com/office/powerpoint/2015/main" val="1"/>
+              </p:ext>
+            </p:extLst>
+          </p:nvPr>
+        </p:nvSpPr>
+        <p:spPr>
+          <a:xfrm>
+            <a:off x="3048" y="0"/>
+            <a:ext cx="12188952" cy="6858000"/>
+          </a:xfrm>
+          <a:prstGeom prst="rect">
+            <a:avLst/>
+          </a:prstGeom>
+          <a:ln>
+            <a:noFill/>
+          </a:ln>
+        </p:spPr>
+        <p:style>
+          <a:lnRef idx="2">
+            <a:schemeClr val="accent1">
+              <a:shade val="50000"/>
+            </a:schemeClr>
+          </a:lnRef>
+          <a:fillRef idx="1">
+            <a:schemeClr val="accent1"/>
+          </a:fillRef>
+          <a:effectRef idx="0">
+            <a:schemeClr val="accent1"/>
+          </a:effectRef>
+          <a:fontRef idx="minor">
+            <a:schemeClr val="lt1"/>
+          </a:fontRef>
+        </p:style>
+        <p:txBody>
+          <a:bodyPr rtlCol="0" anchor="ctr"/>
+          <a:lstStyle/>
+          <a:p>
+            <a:pPr algn="ctr"/>
+            <a:endParaRPr lang="en-US"/>
+          </a:p>
+        </p:txBody>
+      </p:sp>
+      <p:sp>
+        <p:nvSpPr>
+          <p:cNvPr id="10" name="Rectangle 9">
+            <a:extLst>
+              <a:ext uri="{FF2B5EF4-FFF2-40B4-BE49-F238E27FC236}">
+                <a16:creationId xmlns:a16="http://schemas.microsoft.com/office/drawing/2014/main" id="{6C2BBEB8-4077-499F-80FD-AA9827A8D8B7}"/>
+              </a:ext>
+              <a:ext uri="{C183D7F6-B498-43B3-948B-1728B52AA6E4}">
+                <adec:decorative xmlns:adec="http://schemas.microsoft.com/office/drawing/2017/decorative" val="1"/>
+              </a:ext>
+            </a:extLst>
+          </p:cNvPr>
+          <p:cNvSpPr>
+            <a:spLocks noGrp="1" noRot="1" noChangeAspect="1" noMove="1" noResize="1" noEditPoints="1" noAdjustHandles="1" noChangeArrowheads="1" noChangeShapeType="1" noTextEdit="1"/>
+          </p:cNvSpPr>
+          <p:nvPr>
+            <p:extLst>
+              <p:ext uri="{386F3935-93C4-4BCD-93E2-E3B085C9AB24}">
+                <p16:designElem xmlns:p16="http://schemas.microsoft.com/office/powerpoint/2015/main" val="1"/>
+              </p:ext>
+            </p:extLst>
+          </p:nvPr>
+        </p:nvSpPr>
+        <p:spPr>
+          <a:xfrm>
+            <a:off x="658395" y="608243"/>
+            <a:ext cx="3380205" cy="5445075"/>
+          </a:xfrm>
+          <a:prstGeom prst="rect">
+            <a:avLst/>
+          </a:prstGeom>
+          <a:solidFill>
+            <a:schemeClr val="tx2">
+              <a:lumMod val="50000"/>
+            </a:schemeClr>
+          </a:solidFill>
+          <a:ln>
+            <a:noFill/>
+          </a:ln>
+        </p:spPr>
+        <p:style>
+          <a:lnRef idx="2">
+            <a:schemeClr val="accent1">
+              <a:shade val="50000"/>
+            </a:schemeClr>
+          </a:lnRef>
+          <a:fillRef idx="1">
+            <a:schemeClr val="accent1"/>
+          </a:fillRef>
+          <a:effectRef idx="0">
+            <a:schemeClr val="accent1"/>
+          </a:effectRef>
+          <a:fontRef idx="minor">
+            <a:schemeClr val="lt1"/>
+          </a:fontRef>
+        </p:style>
+        <p:txBody>
+          <a:bodyPr rtlCol="0" anchor="ctr"/>
+          <a:lstStyle/>
+          <a:p>
+            <a:pPr algn="ctr"/>
+            <a:endParaRPr lang="en-US"/>
+          </a:p>
+        </p:txBody>
+      </p:sp>
       <p:sp>
         <p:nvSpPr>
           <p:cNvPr id="2" name="Заголовок 1"/>
@@ -4092,22 +4618,29 @@
             <p:ph type="title"/>
           </p:nvPr>
         </p:nvSpPr>
-        <p:spPr/>
-        <p:txBody>
-          <a:bodyPr>
+        <p:spPr>
+          <a:xfrm>
+            <a:off x="1316791" y="1005303"/>
+            <a:ext cx="2032490" cy="4427309"/>
+          </a:xfrm>
+        </p:spPr>
+        <p:txBody>
+          <a:bodyPr vert="horz" lIns="91440" tIns="45720" rIns="91440" bIns="45720" rtlCol="0" anchor="ctr">
             <a:normAutofit/>
           </a:bodyPr>
           <a:lstStyle/>
           <a:p>
             <a:r>
-              <a:rPr lang="en-US" sz="3200" dirty="0" smtClean="0"/>
-              <a:t>Benefits Of AWS </a:t>
-            </a:r>
-            <a:r>
-              <a:rPr lang="en-US" sz="3200" dirty="0" err="1" smtClean="0"/>
-              <a:t>AppFlow</a:t>
-            </a:r>
-            <a:endParaRPr lang="en-US" sz="3200" dirty="0"/>
+              <a:rPr lang="en-US" sz="2800" kern="1200">
+                <a:solidFill>
+                  <a:schemeClr val="bg1"/>
+                </a:solidFill>
+                <a:latin typeface="+mj-lt"/>
+                <a:ea typeface="+mj-ea"/>
+                <a:cs typeface="+mj-cs"/>
+              </a:rPr>
+              <a:t>Benefits Of AWS AppFlow</a:t>
+            </a:r>
           </a:p>
         </p:txBody>
       </p:sp>
@@ -4123,99 +4656,253 @@
         </p:nvSpPr>
         <p:spPr>
           <a:xfrm>
-            <a:off x="838200" y="1825625"/>
-            <a:ext cx="9174480" cy="4351338"/>
+            <a:off x="5336498" y="1288934"/>
+            <a:ext cx="5801194" cy="4280132"/>
           </a:xfrm>
         </p:spPr>
         <p:txBody>
-          <a:bodyPr>
+          <a:bodyPr vert="horz" lIns="91440" tIns="45720" rIns="91440" bIns="45720" rtlCol="0" anchor="ctr">
             <a:normAutofit/>
           </a:bodyPr>
           <a:lstStyle/>
           <a:p>
-            <a:pPr marL="0" indent="0">
-              <a:buNone/>
-            </a:pPr>
-            <a:r>
-              <a:rPr lang="en-US" sz="1400" b="1" dirty="0" smtClean="0"/>
+            <a:pPr marL="0"/>
+            <a:r>
+              <a:rPr lang="en-US" sz="1900" b="1"/>
               <a:t>Speed and agility</a:t>
             </a:r>
             <a:r>
-              <a:rPr lang="en-US" sz="1400" dirty="0" smtClean="0"/>
-              <a:t>: Amazon </a:t>
-            </a:r>
-            <a:r>
-              <a:rPr lang="en-US" sz="1400" dirty="0" err="1" smtClean="0"/>
-              <a:t>AppFlow</a:t>
-            </a:r>
-            <a:r>
-              <a:rPr lang="en-US" sz="1400" dirty="0" smtClean="0"/>
-              <a:t> allows you to integrate applications in just a few minutes without waiting days or weeks to code custom connectors.</a:t>
-            </a:r>
-          </a:p>
-          <a:p>
-            <a:pPr marL="0" indent="0">
-              <a:buNone/>
-            </a:pPr>
-            <a:r>
-              <a:rPr lang="en-US" sz="1400" b="1" dirty="0" smtClean="0"/>
+              <a:rPr lang="en-US" sz="1900"/>
+              <a:t>: Amazon AppFlow allows you to integrate applications in just a few minutes without waiting days or weeks to code custom connectors.</a:t>
+            </a:r>
+          </a:p>
+          <a:p>
+            <a:pPr marL="0"/>
+            <a:r>
+              <a:rPr lang="en-US" sz="1900" b="1"/>
               <a:t>Privacy and security</a:t>
             </a:r>
             <a:r>
-              <a:rPr lang="en-US" sz="1400" dirty="0" smtClean="0"/>
-              <a:t>: </a:t>
-            </a:r>
-            <a:r>
-              <a:rPr lang="en-US" sz="1400" dirty="0" err="1" smtClean="0"/>
-              <a:t>AppFlow</a:t>
-            </a:r>
-            <a:r>
-              <a:rPr lang="en-US" sz="1400" dirty="0" smtClean="0"/>
-              <a:t> encrypts data at rest and in motion. You can encrypt data with AWS-managed keys or bring your custom keys.</a:t>
-            </a:r>
-          </a:p>
-          <a:p>
-            <a:pPr marL="0" indent="0">
-              <a:buNone/>
-            </a:pPr>
-            <a:r>
-              <a:rPr lang="en-US" sz="1400" b="1" dirty="0" smtClean="0"/>
+              <a:rPr lang="en-US" sz="1900"/>
+              <a:t>: AppFlow encrypts data at rest and in motion. You can encrypt data with AWS-managed keys or bring your custom keys.</a:t>
+            </a:r>
+          </a:p>
+          <a:p>
+            <a:pPr marL="0"/>
+            <a:r>
+              <a:rPr lang="en-US" sz="1900" b="1"/>
               <a:t>Scalability</a:t>
             </a:r>
             <a:r>
-              <a:rPr lang="en-US" sz="1400" dirty="0" smtClean="0"/>
-              <a:t>: </a:t>
-            </a:r>
-            <a:r>
-              <a:rPr lang="en-US" sz="1400" dirty="0" err="1" smtClean="0"/>
-              <a:t>AppFlow</a:t>
-            </a:r>
-            <a:r>
-              <a:rPr lang="en-US" sz="1400" dirty="0" smtClean="0"/>
-              <a:t> easily scales up without the need to plan or provide resources to help you move large volumes of data without breaking it down into multiple batches. </a:t>
-            </a:r>
-          </a:p>
-          <a:p>
-            <a:pPr marL="0" indent="0">
-              <a:buNone/>
-            </a:pPr>
-            <a:r>
-              <a:rPr lang="en-US" sz="1400" b="1" dirty="0" smtClean="0"/>
+              <a:rPr lang="en-US" sz="1900"/>
+              <a:t>: AppFlow easily scales up without the need to plan or provide resources to help you move large volumes of data without breaking it down into multiple batches. </a:t>
+            </a:r>
+          </a:p>
+          <a:p>
+            <a:pPr marL="0"/>
+            <a:r>
+              <a:rPr lang="en-US" sz="1900" b="1"/>
               <a:t>Reliability</a:t>
             </a:r>
             <a:r>
-              <a:rPr lang="en-US" sz="1400" dirty="0" smtClean="0"/>
-              <a:t>: </a:t>
-            </a:r>
-            <a:r>
-              <a:rPr lang="en-US" sz="1400" dirty="0" err="1" smtClean="0"/>
-              <a:t>AppFlow</a:t>
-            </a:r>
-            <a:r>
-              <a:rPr lang="en-US" sz="1400" dirty="0" smtClean="0"/>
-              <a:t> uses a highly available architecture with redundant, isolated resources to prevent any single points of failure while running within the resilient AWS infrastructure.</a:t>
-            </a:r>
-            <a:endParaRPr lang="en-US" sz="1400" dirty="0"/>
+              <a:rPr lang="en-US" sz="1900"/>
+              <a:t>: AppFlow uses a highly available architecture with redundant, isolated resources to prevent any single points of failure while running within the resilient AWS infrastructure.</a:t>
+            </a:r>
+          </a:p>
+        </p:txBody>
+      </p:sp>
+      <p:sp>
+        <p:nvSpPr>
+          <p:cNvPr id="12" name="Rectangle 11">
+            <a:extLst>
+              <a:ext uri="{FF2B5EF4-FFF2-40B4-BE49-F238E27FC236}">
+                <a16:creationId xmlns:a16="http://schemas.microsoft.com/office/drawing/2014/main" id="{6F3B7728-0C26-4662-B285-85C645523C10}"/>
+              </a:ext>
+              <a:ext uri="{C183D7F6-B498-43B3-948B-1728B52AA6E4}">
+                <adec:decorative xmlns:adec="http://schemas.microsoft.com/office/drawing/2017/decorative" val="1"/>
+              </a:ext>
+            </a:extLst>
+          </p:cNvPr>
+          <p:cNvSpPr>
+            <a:spLocks noGrp="1" noRot="1" noChangeAspect="1" noMove="1" noResize="1" noEditPoints="1" noAdjustHandles="1" noChangeArrowheads="1" noChangeShapeType="1" noTextEdit="1"/>
+          </p:cNvSpPr>
+          <p:nvPr>
+            <p:extLst>
+              <p:ext uri="{386F3935-93C4-4BCD-93E2-E3B085C9AB24}">
+                <p16:designElem xmlns:p16="http://schemas.microsoft.com/office/powerpoint/2015/main" val="1"/>
+              </p:ext>
+            </p:extLst>
+          </p:nvPr>
+        </p:nvSpPr>
+        <p:spPr>
+          <a:xfrm>
+            <a:off x="0" y="6053319"/>
+            <a:ext cx="12192000" cy="64008"/>
+          </a:xfrm>
+          <a:prstGeom prst="rect">
+            <a:avLst/>
+          </a:prstGeom>
+          <a:solidFill>
+            <a:schemeClr val="tx2">
+              <a:lumMod val="50000"/>
+            </a:schemeClr>
+          </a:solidFill>
+          <a:ln>
+            <a:noFill/>
+          </a:ln>
+        </p:spPr>
+        <p:style>
+          <a:lnRef idx="2">
+            <a:schemeClr val="accent1">
+              <a:shade val="50000"/>
+            </a:schemeClr>
+          </a:lnRef>
+          <a:fillRef idx="1">
+            <a:schemeClr val="accent1"/>
+          </a:fillRef>
+          <a:effectRef idx="0">
+            <a:schemeClr val="accent1"/>
+          </a:effectRef>
+          <a:fontRef idx="minor">
+            <a:schemeClr val="lt1"/>
+          </a:fontRef>
+        </p:style>
+        <p:txBody>
+          <a:bodyPr rtlCol="0" anchor="ctr"/>
+          <a:lstStyle/>
+          <a:p>
+            <a:pPr algn="ctr"/>
+            <a:endParaRPr lang="en-US" dirty="0"/>
+          </a:p>
+        </p:txBody>
+      </p:sp>
+      <p:sp>
+        <p:nvSpPr>
+          <p:cNvPr id="14" name="Rectangle 13">
+            <a:extLst>
+              <a:ext uri="{FF2B5EF4-FFF2-40B4-BE49-F238E27FC236}">
+                <a16:creationId xmlns:a16="http://schemas.microsoft.com/office/drawing/2014/main" id="{28C367AD-9838-470A-87EF-678609CC8692}"/>
+              </a:ext>
+              <a:ext uri="{C183D7F6-B498-43B3-948B-1728B52AA6E4}">
+                <adec:decorative xmlns:adec="http://schemas.microsoft.com/office/drawing/2017/decorative" val="1"/>
+              </a:ext>
+            </a:extLst>
+          </p:cNvPr>
+          <p:cNvSpPr>
+            <a:spLocks noGrp="1" noRot="1" noChangeAspect="1" noMove="1" noResize="1" noEditPoints="1" noAdjustHandles="1" noChangeArrowheads="1" noChangeShapeType="1" noTextEdit="1"/>
+          </p:cNvSpPr>
+          <p:nvPr>
+            <p:extLst>
+              <p:ext uri="{386F3935-93C4-4BCD-93E2-E3B085C9AB24}">
+                <p16:designElem xmlns:p16="http://schemas.microsoft.com/office/powerpoint/2015/main" val="1"/>
+              </p:ext>
+            </p:extLst>
+          </p:nvPr>
+        </p:nvSpPr>
+        <p:spPr>
+          <a:xfrm rot="5400000">
+            <a:off x="-2770606" y="3396997"/>
+            <a:ext cx="6858002" cy="64008"/>
+          </a:xfrm>
+          <a:prstGeom prst="rect">
+            <a:avLst/>
+          </a:prstGeom>
+          <a:solidFill>
+            <a:schemeClr val="tx2">
+              <a:lumMod val="50000"/>
+            </a:schemeClr>
+          </a:solidFill>
+          <a:ln>
+            <a:noFill/>
+          </a:ln>
+        </p:spPr>
+        <p:style>
+          <a:lnRef idx="2">
+            <a:schemeClr val="accent1">
+              <a:shade val="50000"/>
+            </a:schemeClr>
+          </a:lnRef>
+          <a:fillRef idx="1">
+            <a:schemeClr val="accent1"/>
+          </a:fillRef>
+          <a:effectRef idx="0">
+            <a:schemeClr val="accent1"/>
+          </a:effectRef>
+          <a:fontRef idx="minor">
+            <a:schemeClr val="lt1"/>
+          </a:fontRef>
+        </p:style>
+        <p:txBody>
+          <a:bodyPr rtlCol="0" anchor="ctr"/>
+          <a:lstStyle/>
+          <a:p>
+            <a:pPr algn="ctr"/>
+            <a:endParaRPr lang="en-US"/>
+          </a:p>
+        </p:txBody>
+      </p:sp>
+      <p:sp>
+        <p:nvSpPr>
+          <p:cNvPr id="16" name="Rectangle 15">
+            <a:extLst>
+              <a:ext uri="{FF2B5EF4-FFF2-40B4-BE49-F238E27FC236}">
+                <a16:creationId xmlns:a16="http://schemas.microsoft.com/office/drawing/2014/main" id="{B0CF1642-4E76-4223-A010-6334380A22EA}"/>
+              </a:ext>
+              <a:ext uri="{C183D7F6-B498-43B3-948B-1728B52AA6E4}">
+                <adec:decorative xmlns:adec="http://schemas.microsoft.com/office/drawing/2017/decorative" val="1"/>
+              </a:ext>
+            </a:extLst>
+          </p:cNvPr>
+          <p:cNvSpPr>
+            <a:spLocks noGrp="1" noRot="1" noChangeAspect="1" noMove="1" noResize="1" noEditPoints="1" noAdjustHandles="1" noChangeArrowheads="1" noChangeShapeType="1" noTextEdit="1"/>
+          </p:cNvSpPr>
+          <p:nvPr>
+            <p:extLst>
+              <p:ext uri="{386F3935-93C4-4BCD-93E2-E3B085C9AB24}">
+                <p16:designElem xmlns:p16="http://schemas.microsoft.com/office/powerpoint/2015/main" val="1"/>
+              </p:ext>
+            </p:extLst>
+          </p:nvPr>
+        </p:nvSpPr>
+        <p:spPr>
+          <a:xfrm>
+            <a:off x="0" y="544236"/>
+            <a:ext cx="12192000" cy="64008"/>
+          </a:xfrm>
+          <a:prstGeom prst="rect">
+            <a:avLst/>
+          </a:prstGeom>
+          <a:solidFill>
+            <a:schemeClr val="tx2">
+              <a:lumMod val="50000"/>
+            </a:schemeClr>
+          </a:solidFill>
+          <a:ln>
+            <a:noFill/>
+          </a:ln>
+        </p:spPr>
+        <p:style>
+          <a:lnRef idx="2">
+            <a:schemeClr val="accent1">
+              <a:shade val="50000"/>
+            </a:schemeClr>
+          </a:lnRef>
+          <a:fillRef idx="1">
+            <a:schemeClr val="accent1"/>
+          </a:fillRef>
+          <a:effectRef idx="0">
+            <a:schemeClr val="accent1"/>
+          </a:effectRef>
+          <a:fontRef idx="minor">
+            <a:schemeClr val="lt1"/>
+          </a:fontRef>
+        </p:style>
+        <p:txBody>
+          <a:bodyPr rtlCol="0" anchor="ctr"/>
+          <a:lstStyle/>
+          <a:p>
+            <a:pPr algn="ctr"/>
+            <a:endParaRPr lang="en-US" dirty="0"/>
           </a:p>
         </p:txBody>
       </p:sp>
